--- a/document/murase/model_file_primary_SSS_murase.pptx
+++ b/document/murase/model_file_primary_SSS_murase.pptx
@@ -8910,41 +8910,6 @@
           <a:chExt cx="0" cy="0"/>
         </a:xfrm>
       </p:grpSpPr>
-      <p:pic>
-        <p:nvPicPr>
-          <p:cNvPr id="3" name="図 2" descr="ダイアグラム&#10;&#10;自動的に生成された説明">
-            <a:extLst>
-              <a:ext uri="{FF2B5EF4-FFF2-40B4-BE49-F238E27FC236}">
-                <a16:creationId xmlns:a16="http://schemas.microsoft.com/office/drawing/2014/main" id="{DD3D2E72-3DA4-A1EB-7F99-631693273BD5}"/>
-              </a:ext>
-            </a:extLst>
-          </p:cNvPr>
-          <p:cNvPicPr>
-            <a:picLocks noChangeAspect="1"/>
-          </p:cNvPicPr>
-          <p:nvPr/>
-        </p:nvPicPr>
-        <p:blipFill rotWithShape="1">
-          <a:blip r:embed="rId2">
-            <a:extLst>
-              <a:ext uri="{28A0092B-C50C-407E-A947-70E740481C1C}">
-                <a14:useLocalDpi xmlns:a14="http://schemas.microsoft.com/office/drawing/2010/main" val="0"/>
-              </a:ext>
-            </a:extLst>
-          </a:blip>
-          <a:srcRect b="24888"/>
-          <a:stretch/>
-        </p:blipFill>
-        <p:spPr>
-          <a:xfrm>
-            <a:off x="169004" y="1385466"/>
-            <a:ext cx="12270855" cy="8905162"/>
-          </a:xfrm>
-          <a:prstGeom prst="rect">
-            <a:avLst/>
-          </a:prstGeom>
-        </p:spPr>
-      </p:pic>
       <p:sp>
         <p:nvSpPr>
           <p:cNvPr id="4" name="タイトル 1">
@@ -9002,6 +8967,42 @@
           </a:p>
         </p:txBody>
       </p:sp>
+      <p:pic>
+        <p:nvPicPr>
+          <p:cNvPr id="5" name="図 4" descr="ダイアグラム&#10;&#10;自動的に生成された説明">
+            <a:extLst>
+              <a:ext uri="{FF2B5EF4-FFF2-40B4-BE49-F238E27FC236}">
+                <a16:creationId xmlns:a16="http://schemas.microsoft.com/office/drawing/2014/main" id="{D1E69546-2EDD-169E-E907-4BE8291B887E}"/>
+              </a:ext>
+            </a:extLst>
+          </p:cNvPr>
+          <p:cNvPicPr>
+            <a:picLocks noChangeAspect="1"/>
+          </p:cNvPicPr>
+          <p:nvPr/>
+        </p:nvPicPr>
+        <p:blipFill>
+          <a:blip r:embed="rId2">
+            <a:extLst>
+              <a:ext uri="{28A0092B-C50C-407E-A947-70E740481C1C}">
+                <a14:useLocalDpi xmlns:a14="http://schemas.microsoft.com/office/drawing/2010/main" val="0"/>
+              </a:ext>
+            </a:extLst>
+          </a:blip>
+          <a:stretch>
+            <a:fillRect/>
+          </a:stretch>
+        </p:blipFill>
+        <p:spPr>
+          <a:xfrm>
+            <a:off x="163301" y="2344516"/>
+            <a:ext cx="10628571" cy="8352381"/>
+          </a:xfrm>
+          <a:prstGeom prst="rect">
+            <a:avLst/>
+          </a:prstGeom>
+        </p:spPr>
+      </p:pic>
     </p:spTree>
     <p:extLst>
       <p:ext uri="{BB962C8B-B14F-4D97-AF65-F5344CB8AC3E}">

--- a/document/murase/model_file_primary_SSS_murase.pptx
+++ b/document/murase/model_file_primary_SSS_murase.pptx
@@ -1049,7 +1049,7 @@
           <a:p>
             <a:fld id="{C764DE79-268F-4C1A-8933-263129D2AF90}" type="datetimeFigureOut">
               <a:rPr lang="en-US" dirty="0"/>
-              <a:t>8/21/2023</a:t>
+              <a:t>8/22/2023</a:t>
             </a:fld>
             <a:endParaRPr lang="en-US" dirty="0"/>
           </a:p>
@@ -1144,7 +1144,7 @@
           <a:p>
             <a:fld id="{C764DE79-268F-4C1A-8933-263129D2AF90}" type="datetimeFigureOut">
               <a:rPr lang="en-US" dirty="0"/>
-              <a:t>8/21/2023</a:t>
+              <a:t>8/22/2023</a:t>
             </a:fld>
             <a:endParaRPr lang="en-US" dirty="0"/>
           </a:p>
@@ -1453,7 +1453,7 @@
           <a:p>
             <a:fld id="{C764DE79-268F-4C1A-8933-263129D2AF90}" type="datetimeFigureOut">
               <a:rPr lang="en-US" dirty="0"/>
-              <a:t>8/21/2023</a:t>
+              <a:t>8/22/2023</a:t>
             </a:fld>
             <a:endParaRPr lang="en-US" dirty="0"/>
           </a:p>
@@ -1710,7 +1710,7 @@
           <a:p>
             <a:fld id="{C764DE79-268F-4C1A-8933-263129D2AF90}" type="datetimeFigureOut">
               <a:rPr lang="en-US" dirty="0"/>
-              <a:t>8/21/2023</a:t>
+              <a:t>8/22/2023</a:t>
             </a:fld>
             <a:endParaRPr lang="en-US" dirty="0"/>
           </a:p>
@@ -1912,7 +1912,7 @@
           <a:p>
             <a:fld id="{C764DE79-268F-4C1A-8933-263129D2AF90}" type="datetimeFigureOut">
               <a:rPr lang="en-US" dirty="0"/>
-              <a:t>8/21/2023</a:t>
+              <a:t>8/22/2023</a:t>
             </a:fld>
             <a:endParaRPr lang="en-US" dirty="0"/>
           </a:p>
@@ -2124,7 +2124,7 @@
           <a:p>
             <a:fld id="{C764DE79-268F-4C1A-8933-263129D2AF90}" type="datetimeFigureOut">
               <a:rPr lang="en-US" dirty="0"/>
-              <a:t>8/21/2023</a:t>
+              <a:t>8/22/2023</a:t>
             </a:fld>
             <a:endParaRPr lang="en-US" dirty="0"/>
           </a:p>
@@ -2581,7 +2581,7 @@
           <a:p>
             <a:fld id="{C764DE79-268F-4C1A-8933-263129D2AF90}" type="datetimeFigureOut">
               <a:rPr lang="en-US" dirty="0"/>
-              <a:t>8/21/2023</a:t>
+              <a:t>8/22/2023</a:t>
             </a:fld>
             <a:endParaRPr lang="en-US" dirty="0"/>
           </a:p>
@@ -2783,7 +2783,7 @@
           <a:p>
             <a:fld id="{C764DE79-268F-4C1A-8933-263129D2AF90}" type="datetimeFigureOut">
               <a:rPr lang="en-US" dirty="0"/>
-              <a:t>8/21/2023</a:t>
+              <a:t>8/22/2023</a:t>
             </a:fld>
             <a:endParaRPr lang="en-US" dirty="0"/>
           </a:p>
@@ -3027,7 +3027,7 @@
           <a:p>
             <a:fld id="{C764DE79-268F-4C1A-8933-263129D2AF90}" type="datetimeFigureOut">
               <a:rPr lang="en-US" dirty="0"/>
-              <a:t>8/21/2023</a:t>
+              <a:t>8/22/2023</a:t>
             </a:fld>
             <a:endParaRPr lang="en-US" dirty="0"/>
           </a:p>
@@ -3323,7 +3323,7 @@
           <a:p>
             <a:fld id="{C764DE79-268F-4C1A-8933-263129D2AF90}" type="datetimeFigureOut">
               <a:rPr lang="en-US" dirty="0"/>
-              <a:t>8/21/2023</a:t>
+              <a:t>8/22/2023</a:t>
             </a:fld>
             <a:endParaRPr lang="en-US" dirty="0"/>
           </a:p>
@@ -3754,7 +3754,7 @@
           <a:p>
             <a:fld id="{C764DE79-268F-4C1A-8933-263129D2AF90}" type="datetimeFigureOut">
               <a:rPr lang="en-US" dirty="0"/>
-              <a:t>8/21/2023</a:t>
+              <a:t>8/22/2023</a:t>
             </a:fld>
             <a:endParaRPr lang="en-US" dirty="0"/>
           </a:p>
@@ -4779,7 +4779,7 @@
           <a:p>
             <a:fld id="{C764DE79-268F-4C1A-8933-263129D2AF90}" type="datetimeFigureOut">
               <a:rPr lang="en-US" dirty="0"/>
-              <a:t>8/21/2023</a:t>
+              <a:t>8/22/2023</a:t>
             </a:fld>
             <a:endParaRPr lang="en-US" dirty="0"/>
           </a:p>
@@ -8912,6 +8912,94 @@
       </p:grpSpPr>
       <p:sp>
         <p:nvSpPr>
+          <p:cNvPr id="14" name="正方形/長方形 13">
+            <a:extLst>
+              <a:ext uri="{FF2B5EF4-FFF2-40B4-BE49-F238E27FC236}">
+                <a16:creationId xmlns:a16="http://schemas.microsoft.com/office/drawing/2014/main" id="{FA68153E-2DCF-8062-37E3-C749135A025F}"/>
+              </a:ext>
+            </a:extLst>
+          </p:cNvPr>
+          <p:cNvSpPr/>
+          <p:nvPr/>
+        </p:nvSpPr>
+        <p:spPr>
+          <a:xfrm>
+            <a:off x="142849" y="1148593"/>
+            <a:ext cx="4176465" cy="9358059"/>
+          </a:xfrm>
+          <a:prstGeom prst="rect">
+            <a:avLst/>
+          </a:prstGeom>
+        </p:spPr>
+        <p:style>
+          <a:lnRef idx="2">
+            <a:schemeClr val="accent6"/>
+          </a:lnRef>
+          <a:fillRef idx="1">
+            <a:schemeClr val="lt1"/>
+          </a:fillRef>
+          <a:effectRef idx="0">
+            <a:schemeClr val="accent6"/>
+          </a:effectRef>
+          <a:fontRef idx="minor">
+            <a:schemeClr val="dk1"/>
+          </a:fontRef>
+        </p:style>
+        <p:txBody>
+          <a:bodyPr rtlCol="0" anchor="ctr"/>
+          <a:lstStyle/>
+          <a:p>
+            <a:pPr algn="ctr"/>
+            <a:endParaRPr kumimoji="1" lang="ja-JP" altLang="en-US"/>
+          </a:p>
+        </p:txBody>
+      </p:sp>
+      <p:sp>
+        <p:nvSpPr>
+          <p:cNvPr id="8" name="正方形/長方形 7">
+            <a:extLst>
+              <a:ext uri="{FF2B5EF4-FFF2-40B4-BE49-F238E27FC236}">
+                <a16:creationId xmlns:a16="http://schemas.microsoft.com/office/drawing/2014/main" id="{F3D48B08-4F38-8133-AE77-28E0AB87896A}"/>
+              </a:ext>
+            </a:extLst>
+          </p:cNvPr>
+          <p:cNvSpPr/>
+          <p:nvPr/>
+        </p:nvSpPr>
+        <p:spPr>
+          <a:xfrm>
+            <a:off x="4491555" y="185161"/>
+            <a:ext cx="10484945" cy="10321491"/>
+          </a:xfrm>
+          <a:prstGeom prst="rect">
+            <a:avLst/>
+          </a:prstGeom>
+        </p:spPr>
+        <p:style>
+          <a:lnRef idx="2">
+            <a:schemeClr val="accent6"/>
+          </a:lnRef>
+          <a:fillRef idx="1">
+            <a:schemeClr val="lt1"/>
+          </a:fillRef>
+          <a:effectRef idx="0">
+            <a:schemeClr val="accent6"/>
+          </a:effectRef>
+          <a:fontRef idx="minor">
+            <a:schemeClr val="dk1"/>
+          </a:fontRef>
+        </p:style>
+        <p:txBody>
+          <a:bodyPr rtlCol="0" anchor="ctr"/>
+          <a:lstStyle/>
+          <a:p>
+            <a:pPr algn="ctr"/>
+            <a:endParaRPr kumimoji="1" lang="ja-JP" altLang="en-US"/>
+          </a:p>
+        </p:txBody>
+      </p:sp>
+      <p:sp>
+        <p:nvSpPr>
           <p:cNvPr id="4" name="タイトル 1">
             <a:extLst>
               <a:ext uri="{FF2B5EF4-FFF2-40B4-BE49-F238E27FC236}">
@@ -8927,7 +9015,7 @@
         <p:spPr>
           <a:xfrm>
             <a:off x="142850" y="185161"/>
-            <a:ext cx="4792027" cy="1320280"/>
+            <a:ext cx="4176465" cy="984281"/>
           </a:xfrm>
           <a:prstGeom prst="rect">
             <a:avLst/>
@@ -8961,18 +9049,371 @@
               </a:spcAft>
             </a:pPr>
             <a:r>
-              <a:rPr lang="ja-JP" altLang="en-US" dirty="0"/>
+              <a:rPr lang="ja-JP" altLang="en-US" sz="6000" dirty="0"/>
               <a:t>構造モデル</a:t>
             </a:r>
           </a:p>
         </p:txBody>
       </p:sp>
+      <p:sp>
+        <p:nvSpPr>
+          <p:cNvPr id="9" name="テキスト ボックス 8">
+            <a:extLst>
+              <a:ext uri="{FF2B5EF4-FFF2-40B4-BE49-F238E27FC236}">
+                <a16:creationId xmlns:a16="http://schemas.microsoft.com/office/drawing/2014/main" id="{E2C5ECE5-CA4C-4295-2EB4-67A56C41BE74}"/>
+              </a:ext>
+            </a:extLst>
+          </p:cNvPr>
+          <p:cNvSpPr txBox="1"/>
+          <p:nvPr/>
+        </p:nvSpPr>
+        <p:spPr>
+          <a:xfrm>
+            <a:off x="4713847" y="354524"/>
+            <a:ext cx="1656184" cy="584775"/>
+          </a:xfrm>
+          <a:prstGeom prst="rect">
+            <a:avLst/>
+          </a:prstGeom>
+          <a:noFill/>
+          <a:ln>
+            <a:solidFill>
+              <a:schemeClr val="tx1"/>
+            </a:solidFill>
+          </a:ln>
+        </p:spPr>
+        <p:txBody>
+          <a:bodyPr wrap="square" rtlCol="0">
+            <a:spAutoFit/>
+          </a:bodyPr>
+          <a:lstStyle/>
+          <a:p>
+            <a:r>
+              <a:rPr kumimoji="1" lang="ja-JP" altLang="en-US" sz="3200" dirty="0"/>
+              <a:t>クラス図</a:t>
+            </a:r>
+            <a:endParaRPr kumimoji="1" lang="en-US" altLang="ja-JP" sz="3200" dirty="0"/>
+          </a:p>
+        </p:txBody>
+      </p:sp>
+      <p:sp>
+        <p:nvSpPr>
+          <p:cNvPr id="15" name="テキスト ボックス 14">
+            <a:extLst>
+              <a:ext uri="{FF2B5EF4-FFF2-40B4-BE49-F238E27FC236}">
+                <a16:creationId xmlns:a16="http://schemas.microsoft.com/office/drawing/2014/main" id="{AFC3940A-FA4C-0F52-DCE9-976379756C80}"/>
+              </a:ext>
+            </a:extLst>
+          </p:cNvPr>
+          <p:cNvSpPr txBox="1"/>
+          <p:nvPr/>
+        </p:nvSpPr>
+        <p:spPr>
+          <a:xfrm>
+            <a:off x="395461" y="1313458"/>
+            <a:ext cx="2627710" cy="584775"/>
+          </a:xfrm>
+          <a:prstGeom prst="rect">
+            <a:avLst/>
+          </a:prstGeom>
+          <a:noFill/>
+          <a:ln>
+            <a:solidFill>
+              <a:schemeClr val="tx1"/>
+            </a:solidFill>
+          </a:ln>
+        </p:spPr>
+        <p:txBody>
+          <a:bodyPr wrap="square" rtlCol="0">
+            <a:spAutoFit/>
+          </a:bodyPr>
+          <a:lstStyle/>
+          <a:p>
+            <a:r>
+              <a:rPr kumimoji="1" lang="ja-JP" altLang="en-US" sz="3200" dirty="0"/>
+              <a:t>パッケージ図</a:t>
+            </a:r>
+            <a:endParaRPr kumimoji="1" lang="en-US" altLang="ja-JP" sz="3200" dirty="0"/>
+          </a:p>
+        </p:txBody>
+      </p:sp>
+      <p:graphicFrame>
+        <p:nvGraphicFramePr>
+          <p:cNvPr id="40" name="表 40">
+            <a:extLst>
+              <a:ext uri="{FF2B5EF4-FFF2-40B4-BE49-F238E27FC236}">
+                <a16:creationId xmlns:a16="http://schemas.microsoft.com/office/drawing/2014/main" id="{65ABEA67-41C4-5F5B-8B4C-166DA3CD6908}"/>
+              </a:ext>
+            </a:extLst>
+          </p:cNvPr>
+          <p:cNvGraphicFramePr>
+            <a:graphicFrameLocks noGrp="1"/>
+          </p:cNvGraphicFramePr>
+          <p:nvPr>
+            <p:extLst>
+              <p:ext uri="{D42A27DB-BD31-4B8C-83A1-F6EECF244321}">
+                <p14:modId xmlns:p14="http://schemas.microsoft.com/office/powerpoint/2010/main" val="2240158587"/>
+              </p:ext>
+            </p:extLst>
+          </p:nvPr>
+        </p:nvGraphicFramePr>
+        <p:xfrm>
+          <a:off x="336574" y="2248836"/>
+          <a:ext cx="3838725" cy="3457110"/>
+        </p:xfrm>
+        <a:graphic>
+          <a:graphicData uri="http://schemas.openxmlformats.org/drawingml/2006/table">
+            <a:tbl>
+              <a:tblPr firstRow="1" bandRow="1">
+                <a:tableStyleId>{16D9F66E-5EB9-4882-86FB-DCBF35E3C3E4}</a:tableStyleId>
+              </a:tblPr>
+              <a:tblGrid>
+                <a:gridCol w="1469227">
+                  <a:extLst>
+                    <a:ext uri="{9D8B030D-6E8A-4147-A177-3AD203B41FA5}">
+                      <a16:colId xmlns:a16="http://schemas.microsoft.com/office/drawing/2014/main" val="1707991611"/>
+                    </a:ext>
+                  </a:extLst>
+                </a:gridCol>
+                <a:gridCol w="2369498">
+                  <a:extLst>
+                    <a:ext uri="{9D8B030D-6E8A-4147-A177-3AD203B41FA5}">
+                      <a16:colId xmlns:a16="http://schemas.microsoft.com/office/drawing/2014/main" val="3670840313"/>
+                    </a:ext>
+                  </a:extLst>
+                </a:gridCol>
+              </a:tblGrid>
+              <a:tr h="691422">
+                <a:tc>
+                  <a:txBody>
+                    <a:bodyPr/>
+                    <a:lstStyle/>
+                    <a:p>
+                      <a:r>
+                        <a:rPr kumimoji="1" lang="ja-JP" altLang="en-US" sz="1600" dirty="0"/>
+                        <a:t>パッケージ</a:t>
+                      </a:r>
+                      <a:endParaRPr kumimoji="1" lang="en-US" altLang="ja-JP" sz="1600" dirty="0"/>
+                    </a:p>
+                  </a:txBody>
+                  <a:tcPr/>
+                </a:tc>
+                <a:tc>
+                  <a:txBody>
+                    <a:bodyPr/>
+                    <a:lstStyle/>
+                    <a:p>
+                      <a:r>
+                        <a:rPr kumimoji="1" lang="ja-JP" altLang="en-US" sz="1600" dirty="0"/>
+                        <a:t>説明</a:t>
+                      </a:r>
+                      <a:endParaRPr kumimoji="1" lang="en-US" altLang="ja-JP" sz="1600" dirty="0"/>
+                    </a:p>
+                  </a:txBody>
+                  <a:tcPr/>
+                </a:tc>
+                <a:extLst>
+                  <a:ext uri="{0D108BD9-81ED-4DB2-BD59-A6C34878D82A}">
+                    <a16:rowId xmlns:a16="http://schemas.microsoft.com/office/drawing/2014/main" val="1401397123"/>
+                  </a:ext>
+                </a:extLst>
+              </a:tr>
+              <a:tr h="691422">
+                <a:tc>
+                  <a:txBody>
+                    <a:bodyPr/>
+                    <a:lstStyle/>
+                    <a:p>
+                      <a:r>
+                        <a:rPr kumimoji="1" lang="ja-JP" altLang="en-US" sz="1600" dirty="0"/>
+                        <a:t>マトリクス</a:t>
+                      </a:r>
+                      <a:endParaRPr kumimoji="1" lang="en-US" altLang="ja-JP" sz="1600" dirty="0"/>
+                    </a:p>
+                    <a:p>
+                      <a:r>
+                        <a:rPr kumimoji="1" lang="ja-JP" altLang="en-US" sz="1600" dirty="0"/>
+                        <a:t>攻略</a:t>
+                      </a:r>
+                      <a:endParaRPr kumimoji="1" lang="en-US" altLang="ja-JP" sz="1600" dirty="0"/>
+                    </a:p>
+                  </a:txBody>
+                  <a:tcPr/>
+                </a:tc>
+                <a:tc>
+                  <a:txBody>
+                    <a:bodyPr/>
+                    <a:lstStyle/>
+                    <a:p>
+                      <a:r>
+                        <a:rPr kumimoji="1" lang="ja-JP" altLang="en-US" sz="1600" dirty="0"/>
+                        <a:t>命令を呼び出す</a:t>
+                      </a:r>
+                      <a:endParaRPr kumimoji="1" lang="en-US" altLang="ja-JP" sz="1600" dirty="0"/>
+                    </a:p>
+                    <a:p>
+                      <a:r>
+                        <a:rPr kumimoji="1" lang="ja-JP" altLang="en-US" sz="1600" dirty="0"/>
+                        <a:t>パッケージ</a:t>
+                      </a:r>
+                      <a:endParaRPr kumimoji="1" lang="en-US" altLang="ja-JP" sz="1600" dirty="0"/>
+                    </a:p>
+                  </a:txBody>
+                  <a:tcPr/>
+                </a:tc>
+                <a:extLst>
+                  <a:ext uri="{0D108BD9-81ED-4DB2-BD59-A6C34878D82A}">
+                    <a16:rowId xmlns:a16="http://schemas.microsoft.com/office/drawing/2014/main" val="1626226597"/>
+                  </a:ext>
+                </a:extLst>
+              </a:tr>
+              <a:tr h="691422">
+                <a:tc>
+                  <a:txBody>
+                    <a:bodyPr/>
+                    <a:lstStyle/>
+                    <a:p>
+                      <a:r>
+                        <a:rPr kumimoji="1" lang="ja-JP" altLang="en-US" sz="1600" dirty="0"/>
+                        <a:t>命令</a:t>
+                      </a:r>
+                      <a:endParaRPr kumimoji="1" lang="en-US" altLang="ja-JP" sz="1600" dirty="0"/>
+                    </a:p>
+                    <a:p>
+                      <a:r>
+                        <a:rPr kumimoji="1" lang="ja-JP" altLang="en-US" sz="1600" dirty="0"/>
+                        <a:t>パッケージ</a:t>
+                      </a:r>
+                      <a:endParaRPr kumimoji="1" lang="en-US" altLang="ja-JP" sz="1600" dirty="0"/>
+                    </a:p>
+                  </a:txBody>
+                  <a:tcPr/>
+                </a:tc>
+                <a:tc>
+                  <a:txBody>
+                    <a:bodyPr/>
+                    <a:lstStyle/>
+                    <a:p>
+                      <a:r>
+                        <a:rPr kumimoji="1" lang="ja-JP" altLang="en-US" sz="1600" dirty="0"/>
+                        <a:t>走行の管理をする</a:t>
+                      </a:r>
+                      <a:endParaRPr kumimoji="1" lang="en-US" altLang="ja-JP" sz="1600" dirty="0"/>
+                    </a:p>
+                    <a:p>
+                      <a:r>
+                        <a:rPr kumimoji="1" lang="ja-JP" altLang="en-US" sz="1600" dirty="0"/>
+                        <a:t>パッケージ</a:t>
+                      </a:r>
+                    </a:p>
+                  </a:txBody>
+                  <a:tcPr/>
+                </a:tc>
+                <a:extLst>
+                  <a:ext uri="{0D108BD9-81ED-4DB2-BD59-A6C34878D82A}">
+                    <a16:rowId xmlns:a16="http://schemas.microsoft.com/office/drawing/2014/main" val="1960019302"/>
+                  </a:ext>
+                </a:extLst>
+              </a:tr>
+              <a:tr h="691422">
+                <a:tc>
+                  <a:txBody>
+                    <a:bodyPr/>
+                    <a:lstStyle/>
+                    <a:p>
+                      <a:r>
+                        <a:rPr kumimoji="1" lang="ja-JP" altLang="en-US" sz="1600" dirty="0"/>
+                        <a:t>モーター</a:t>
+                      </a:r>
+                      <a:endParaRPr kumimoji="1" lang="en-US" altLang="ja-JP" sz="1600" dirty="0"/>
+                    </a:p>
+                    <a:p>
+                      <a:r>
+                        <a:rPr kumimoji="1" lang="ja-JP" altLang="en-US" sz="1600" dirty="0"/>
+                        <a:t>パッケージ</a:t>
+                      </a:r>
+                      <a:endParaRPr kumimoji="1" lang="en-US" altLang="ja-JP" sz="1600" dirty="0"/>
+                    </a:p>
+                  </a:txBody>
+                  <a:tcPr/>
+                </a:tc>
+                <a:tc>
+                  <a:txBody>
+                    <a:bodyPr/>
+                    <a:lstStyle/>
+                    <a:p>
+                      <a:r>
+                        <a:rPr kumimoji="1" lang="ja-JP" altLang="en-US" sz="1600" dirty="0"/>
+                        <a:t>モーターユニットの</a:t>
+                      </a:r>
+                      <a:endParaRPr kumimoji="1" lang="en-US" altLang="ja-JP" sz="1600" dirty="0"/>
+                    </a:p>
+                    <a:p>
+                      <a:r>
+                        <a:rPr kumimoji="1" lang="ja-JP" altLang="en-US" sz="1600" dirty="0"/>
+                        <a:t>制御</a:t>
+                      </a:r>
+                    </a:p>
+                  </a:txBody>
+                  <a:tcPr/>
+                </a:tc>
+                <a:extLst>
+                  <a:ext uri="{0D108BD9-81ED-4DB2-BD59-A6C34878D82A}">
+                    <a16:rowId xmlns:a16="http://schemas.microsoft.com/office/drawing/2014/main" val="1922589533"/>
+                  </a:ext>
+                </a:extLst>
+              </a:tr>
+              <a:tr h="691422">
+                <a:tc>
+                  <a:txBody>
+                    <a:bodyPr/>
+                    <a:lstStyle/>
+                    <a:p>
+                      <a:r>
+                        <a:rPr kumimoji="1" lang="ja-JP" altLang="en-US" sz="1600" dirty="0"/>
+                        <a:t>センサー</a:t>
+                      </a:r>
+                      <a:endParaRPr kumimoji="1" lang="en-US" altLang="ja-JP" sz="1600" dirty="0"/>
+                    </a:p>
+                    <a:p>
+                      <a:r>
+                        <a:rPr kumimoji="1" lang="ja-JP" altLang="en-US" sz="1600" dirty="0"/>
+                        <a:t>パッケージ</a:t>
+                      </a:r>
+                    </a:p>
+                  </a:txBody>
+                  <a:tcPr/>
+                </a:tc>
+                <a:tc>
+                  <a:txBody>
+                    <a:bodyPr/>
+                    <a:lstStyle/>
+                    <a:p>
+                      <a:r>
+                        <a:rPr kumimoji="1" lang="ja-JP" altLang="en-US" sz="1600" dirty="0"/>
+                        <a:t>反射光センサーユニットの制御</a:t>
+                      </a:r>
+                      <a:endParaRPr kumimoji="1" lang="en-US" altLang="ja-JP" sz="1600" dirty="0"/>
+                    </a:p>
+                  </a:txBody>
+                  <a:tcPr/>
+                </a:tc>
+                <a:extLst>
+                  <a:ext uri="{0D108BD9-81ED-4DB2-BD59-A6C34878D82A}">
+                    <a16:rowId xmlns:a16="http://schemas.microsoft.com/office/drawing/2014/main" val="1282840320"/>
+                  </a:ext>
+                </a:extLst>
+              </a:tr>
+            </a:tbl>
+          </a:graphicData>
+        </a:graphic>
+      </p:graphicFrame>
       <p:pic>
         <p:nvPicPr>
-          <p:cNvPr id="5" name="図 4" descr="ダイアグラム&#10;&#10;自動的に生成された説明">
+          <p:cNvPr id="3" name="図 2" descr="ダイアグラム&#10;&#10;自動的に生成された説明">
             <a:extLst>
               <a:ext uri="{FF2B5EF4-FFF2-40B4-BE49-F238E27FC236}">
-                <a16:creationId xmlns:a16="http://schemas.microsoft.com/office/drawing/2014/main" id="{D1E69546-2EDD-169E-E907-4BE8291B887E}"/>
+                <a16:creationId xmlns:a16="http://schemas.microsoft.com/office/drawing/2014/main" id="{7DD8B10F-74BF-7920-BB20-EA7031E74884}"/>
               </a:ext>
             </a:extLst>
           </p:cNvPr>
@@ -8981,7 +9422,7 @@
           </p:cNvPicPr>
           <p:nvPr/>
         </p:nvPicPr>
-        <p:blipFill>
+        <p:blipFill rotWithShape="1">
           <a:blip r:embed="rId2">
             <a:extLst>
               <a:ext uri="{28A0092B-C50C-407E-A947-70E740481C1C}">
@@ -8989,20 +9430,264 @@
               </a:ext>
             </a:extLst>
           </a:blip>
-          <a:stretch>
-            <a:fillRect/>
-          </a:stretch>
+          <a:srcRect l="-101" r="901"/>
+          <a:stretch/>
         </p:blipFill>
         <p:spPr>
           <a:xfrm>
-            <a:off x="163301" y="2344516"/>
-            <a:ext cx="10628571" cy="8352381"/>
+            <a:off x="4491555" y="2105546"/>
+            <a:ext cx="10463462" cy="8401106"/>
           </a:xfrm>
           <a:prstGeom prst="rect">
             <a:avLst/>
           </a:prstGeom>
         </p:spPr>
       </p:pic>
+      <p:sp>
+        <p:nvSpPr>
+          <p:cNvPr id="5" name="テキスト ボックス 4">
+            <a:extLst>
+              <a:ext uri="{FF2B5EF4-FFF2-40B4-BE49-F238E27FC236}">
+                <a16:creationId xmlns:a16="http://schemas.microsoft.com/office/drawing/2014/main" id="{AF25E898-AA21-E296-A45A-4CB74A2731E0}"/>
+              </a:ext>
+            </a:extLst>
+          </p:cNvPr>
+          <p:cNvSpPr txBox="1"/>
+          <p:nvPr/>
+        </p:nvSpPr>
+        <p:spPr>
+          <a:xfrm>
+            <a:off x="4746461" y="1108662"/>
+            <a:ext cx="9953649" cy="769441"/>
+          </a:xfrm>
+          <a:prstGeom prst="rect">
+            <a:avLst/>
+          </a:prstGeom>
+          <a:noFill/>
+          <a:ln>
+            <a:solidFill>
+              <a:schemeClr val="accent6">
+                <a:lumMod val="60000"/>
+                <a:lumOff val="40000"/>
+              </a:schemeClr>
+            </a:solidFill>
+          </a:ln>
+        </p:spPr>
+        <p:txBody>
+          <a:bodyPr wrap="square" rtlCol="0">
+            <a:spAutoFit/>
+          </a:bodyPr>
+          <a:lstStyle/>
+          <a:p>
+            <a:r>
+              <a:rPr kumimoji="1" lang="ja-JP" altLang="en-US" sz="2200" dirty="0">
+                <a:latin typeface="+mn-ea"/>
+                <a:ea typeface="+mn-ea"/>
+              </a:rPr>
+              <a:t>ブロックが配置される組み合わせに応じて命令配列にマトリクス上動作命令を設定し、命令パッケージで配列インデックス順に命令を呼び出す</a:t>
+            </a:r>
+          </a:p>
+        </p:txBody>
+      </p:sp>
+      <p:pic>
+        <p:nvPicPr>
+          <p:cNvPr id="12" name="図 11" descr="ダイアグラム&#10;&#10;自動的に生成された説明">
+            <a:extLst>
+              <a:ext uri="{FF2B5EF4-FFF2-40B4-BE49-F238E27FC236}">
+                <a16:creationId xmlns:a16="http://schemas.microsoft.com/office/drawing/2014/main" id="{1A35D42F-B5F8-F647-F3AD-DD355CAC52EE}"/>
+              </a:ext>
+            </a:extLst>
+          </p:cNvPr>
+          <p:cNvPicPr>
+            <a:picLocks noChangeAspect="1"/>
+          </p:cNvPicPr>
+          <p:nvPr/>
+        </p:nvPicPr>
+        <p:blipFill rotWithShape="1">
+          <a:blip r:embed="rId3">
+            <a:extLst>
+              <a:ext uri="{28A0092B-C50C-407E-A947-70E740481C1C}">
+                <a14:useLocalDpi xmlns:a14="http://schemas.microsoft.com/office/drawing/2010/main" val="0"/>
+              </a:ext>
+            </a:extLst>
+          </a:blip>
+          <a:srcRect l="2013" r="1832" b="1885"/>
+          <a:stretch/>
+        </p:blipFill>
+        <p:spPr>
+          <a:xfrm>
+            <a:off x="209439" y="6022508"/>
+            <a:ext cx="4043283" cy="4372208"/>
+          </a:xfrm>
+          <a:prstGeom prst="rect">
+            <a:avLst/>
+          </a:prstGeom>
+        </p:spPr>
+      </p:pic>
+      <p:cxnSp>
+        <p:nvCxnSpPr>
+          <p:cNvPr id="17" name="直線矢印コネクタ 16">
+            <a:extLst>
+              <a:ext uri="{FF2B5EF4-FFF2-40B4-BE49-F238E27FC236}">
+                <a16:creationId xmlns:a16="http://schemas.microsoft.com/office/drawing/2014/main" id="{5FECE648-8E27-3792-C518-8FDE9D1B6942}"/>
+              </a:ext>
+            </a:extLst>
+          </p:cNvPr>
+          <p:cNvCxnSpPr>
+            <a:cxnSpLocks/>
+          </p:cNvCxnSpPr>
+          <p:nvPr/>
+        </p:nvCxnSpPr>
+        <p:spPr>
+          <a:xfrm>
+            <a:off x="790923" y="7434138"/>
+            <a:ext cx="0" cy="432048"/>
+          </a:xfrm>
+          <a:prstGeom prst="straightConnector1">
+            <a:avLst/>
+          </a:prstGeom>
+          <a:ln>
+            <a:tailEnd type="triangle"/>
+          </a:ln>
+        </p:spPr>
+        <p:style>
+          <a:lnRef idx="1">
+            <a:schemeClr val="dk1"/>
+          </a:lnRef>
+          <a:fillRef idx="0">
+            <a:schemeClr val="dk1"/>
+          </a:fillRef>
+          <a:effectRef idx="0">
+            <a:schemeClr val="dk1"/>
+          </a:effectRef>
+          <a:fontRef idx="minor">
+            <a:schemeClr val="tx1"/>
+          </a:fontRef>
+        </p:style>
+      </p:cxnSp>
+      <p:cxnSp>
+        <p:nvCxnSpPr>
+          <p:cNvPr id="20" name="直線矢印コネクタ 19">
+            <a:extLst>
+              <a:ext uri="{FF2B5EF4-FFF2-40B4-BE49-F238E27FC236}">
+                <a16:creationId xmlns:a16="http://schemas.microsoft.com/office/drawing/2014/main" id="{875D33A3-2B1A-8CFA-E3DE-45A28A7C4082}"/>
+              </a:ext>
+            </a:extLst>
+          </p:cNvPr>
+          <p:cNvCxnSpPr>
+            <a:cxnSpLocks/>
+          </p:cNvCxnSpPr>
+          <p:nvPr/>
+        </p:nvCxnSpPr>
+        <p:spPr>
+          <a:xfrm>
+            <a:off x="790923" y="8874298"/>
+            <a:ext cx="0" cy="432048"/>
+          </a:xfrm>
+          <a:prstGeom prst="straightConnector1">
+            <a:avLst/>
+          </a:prstGeom>
+          <a:ln>
+            <a:tailEnd type="triangle"/>
+          </a:ln>
+        </p:spPr>
+        <p:style>
+          <a:lnRef idx="1">
+            <a:schemeClr val="dk1"/>
+          </a:lnRef>
+          <a:fillRef idx="0">
+            <a:schemeClr val="dk1"/>
+          </a:fillRef>
+          <a:effectRef idx="0">
+            <a:schemeClr val="dk1"/>
+          </a:effectRef>
+          <a:fontRef idx="minor">
+            <a:schemeClr val="tx1"/>
+          </a:fontRef>
+        </p:style>
+      </p:cxnSp>
+      <p:cxnSp>
+        <p:nvCxnSpPr>
+          <p:cNvPr id="21" name="直線矢印コネクタ 20">
+            <a:extLst>
+              <a:ext uri="{FF2B5EF4-FFF2-40B4-BE49-F238E27FC236}">
+                <a16:creationId xmlns:a16="http://schemas.microsoft.com/office/drawing/2014/main" id="{088FAB77-849A-1668-7FC7-3239C5928703}"/>
+              </a:ext>
+            </a:extLst>
+          </p:cNvPr>
+          <p:cNvCxnSpPr>
+            <a:cxnSpLocks/>
+          </p:cNvCxnSpPr>
+          <p:nvPr/>
+        </p:nvCxnSpPr>
+        <p:spPr>
+          <a:xfrm>
+            <a:off x="2138826" y="7367968"/>
+            <a:ext cx="236273" cy="498218"/>
+          </a:xfrm>
+          <a:prstGeom prst="straightConnector1">
+            <a:avLst/>
+          </a:prstGeom>
+          <a:ln>
+            <a:tailEnd type="triangle"/>
+          </a:ln>
+        </p:spPr>
+        <p:style>
+          <a:lnRef idx="1">
+            <a:schemeClr val="dk1"/>
+          </a:lnRef>
+          <a:fillRef idx="0">
+            <a:schemeClr val="dk1"/>
+          </a:fillRef>
+          <a:effectRef idx="0">
+            <a:schemeClr val="dk1"/>
+          </a:effectRef>
+          <a:fontRef idx="minor">
+            <a:schemeClr val="tx1"/>
+          </a:fontRef>
+        </p:style>
+      </p:cxnSp>
+      <p:cxnSp>
+        <p:nvCxnSpPr>
+          <p:cNvPr id="24" name="直線矢印コネクタ 23">
+            <a:extLst>
+              <a:ext uri="{FF2B5EF4-FFF2-40B4-BE49-F238E27FC236}">
+                <a16:creationId xmlns:a16="http://schemas.microsoft.com/office/drawing/2014/main" id="{0CFDB890-9C9A-01BC-29D9-47BEDD05BC40}"/>
+              </a:ext>
+            </a:extLst>
+          </p:cNvPr>
+          <p:cNvCxnSpPr>
+            <a:cxnSpLocks/>
+          </p:cNvCxnSpPr>
+          <p:nvPr/>
+        </p:nvCxnSpPr>
+        <p:spPr>
+          <a:xfrm flipH="1">
+            <a:off x="2138826" y="8789488"/>
+            <a:ext cx="278142" cy="588867"/>
+          </a:xfrm>
+          <a:prstGeom prst="straightConnector1">
+            <a:avLst/>
+          </a:prstGeom>
+          <a:ln>
+            <a:tailEnd type="triangle"/>
+          </a:ln>
+        </p:spPr>
+        <p:style>
+          <a:lnRef idx="1">
+            <a:schemeClr val="dk1"/>
+          </a:lnRef>
+          <a:fillRef idx="0">
+            <a:schemeClr val="dk1"/>
+          </a:fillRef>
+          <a:effectRef idx="0">
+            <a:schemeClr val="dk1"/>
+          </a:effectRef>
+          <a:fontRef idx="minor">
+            <a:schemeClr val="tx1"/>
+          </a:fontRef>
+        </p:style>
+      </p:cxnSp>
     </p:spTree>
     <p:extLst>
       <p:ext uri="{BB962C8B-B14F-4D97-AF65-F5344CB8AC3E}">

--- a/document/murase/model_file_primary_SSS_murase.pptx
+++ b/document/murase/model_file_primary_SSS_murase.pptx
@@ -9408,41 +9408,6 @@
           </a:graphicData>
         </a:graphic>
       </p:graphicFrame>
-      <p:pic>
-        <p:nvPicPr>
-          <p:cNvPr id="3" name="図 2" descr="ダイアグラム&#10;&#10;自動的に生成された説明">
-            <a:extLst>
-              <a:ext uri="{FF2B5EF4-FFF2-40B4-BE49-F238E27FC236}">
-                <a16:creationId xmlns:a16="http://schemas.microsoft.com/office/drawing/2014/main" id="{7DD8B10F-74BF-7920-BB20-EA7031E74884}"/>
-              </a:ext>
-            </a:extLst>
-          </p:cNvPr>
-          <p:cNvPicPr>
-            <a:picLocks noChangeAspect="1"/>
-          </p:cNvPicPr>
-          <p:nvPr/>
-        </p:nvPicPr>
-        <p:blipFill rotWithShape="1">
-          <a:blip r:embed="rId2">
-            <a:extLst>
-              <a:ext uri="{28A0092B-C50C-407E-A947-70E740481C1C}">
-                <a14:useLocalDpi xmlns:a14="http://schemas.microsoft.com/office/drawing/2010/main" val="0"/>
-              </a:ext>
-            </a:extLst>
-          </a:blip>
-          <a:srcRect l="-101" r="901"/>
-          <a:stretch/>
-        </p:blipFill>
-        <p:spPr>
-          <a:xfrm>
-            <a:off x="4491555" y="2105546"/>
-            <a:ext cx="10463462" cy="8401106"/>
-          </a:xfrm>
-          <a:prstGeom prst="rect">
-            <a:avLst/>
-          </a:prstGeom>
-        </p:spPr>
-      </p:pic>
       <p:sp>
         <p:nvSpPr>
           <p:cNvPr id="5" name="テキスト ボックス 4">
@@ -9504,7 +9469,7 @@
           <p:nvPr/>
         </p:nvPicPr>
         <p:blipFill rotWithShape="1">
-          <a:blip r:embed="rId3">
+          <a:blip r:embed="rId2">
             <a:extLst>
               <a:ext uri="{28A0092B-C50C-407E-A947-70E740481C1C}">
                 <a14:useLocalDpi xmlns:a14="http://schemas.microsoft.com/office/drawing/2010/main" val="0"/>
@@ -9688,6 +9653,41 @@
           </a:fontRef>
         </p:style>
       </p:cxnSp>
+      <p:pic>
+        <p:nvPicPr>
+          <p:cNvPr id="6" name="図 5" descr="ダイアグラム&#10;&#10;自動的に生成された説明">
+            <a:extLst>
+              <a:ext uri="{FF2B5EF4-FFF2-40B4-BE49-F238E27FC236}">
+                <a16:creationId xmlns:a16="http://schemas.microsoft.com/office/drawing/2014/main" id="{9F3D81CA-D58E-2663-B061-10267CABFD41}"/>
+              </a:ext>
+            </a:extLst>
+          </p:cNvPr>
+          <p:cNvPicPr>
+            <a:picLocks noChangeAspect="1"/>
+          </p:cNvPicPr>
+          <p:nvPr/>
+        </p:nvPicPr>
+        <p:blipFill rotWithShape="1">
+          <a:blip r:embed="rId3">
+            <a:extLst>
+              <a:ext uri="{28A0092B-C50C-407E-A947-70E740481C1C}">
+                <a14:useLocalDpi xmlns:a14="http://schemas.microsoft.com/office/drawing/2010/main" val="0"/>
+              </a:ext>
+            </a:extLst>
+          </a:blip>
+          <a:srcRect l="389" r="735"/>
+          <a:stretch/>
+        </p:blipFill>
+        <p:spPr>
+          <a:xfrm>
+            <a:off x="4538271" y="2248836"/>
+            <a:ext cx="10228864" cy="8239634"/>
+          </a:xfrm>
+          <a:prstGeom prst="rect">
+            <a:avLst/>
+          </a:prstGeom>
+        </p:spPr>
+      </p:pic>
     </p:spTree>
     <p:extLst>
       <p:ext uri="{BB962C8B-B14F-4D97-AF65-F5344CB8AC3E}">
